--- a/aesthetics.pptx
+++ b/aesthetics.pptx
@@ -9,14 +9,13 @@
     <p:sldId id="257" r:id="rId3"/>
     <p:sldId id="266" r:id="rId4"/>
     <p:sldId id="274" r:id="rId5"/>
-    <p:sldId id="273" r:id="rId6"/>
-    <p:sldId id="267" r:id="rId7"/>
-    <p:sldId id="268" r:id="rId8"/>
-    <p:sldId id="269" r:id="rId9"/>
-    <p:sldId id="272" r:id="rId10"/>
-    <p:sldId id="271" r:id="rId11"/>
-    <p:sldId id="270" r:id="rId12"/>
-    <p:sldId id="265" r:id="rId13"/>
+    <p:sldId id="267" r:id="rId6"/>
+    <p:sldId id="268" r:id="rId7"/>
+    <p:sldId id="269" r:id="rId8"/>
+    <p:sldId id="272" r:id="rId9"/>
+    <p:sldId id="271" r:id="rId10"/>
+    <p:sldId id="270" r:id="rId11"/>
+    <p:sldId id="265" r:id="rId12"/>
   </p:sldIdLst>
   <p:sldSz cx="12192000" cy="6858000"/>
   <p:notesSz cx="6858000" cy="9144000"/>
@@ -3348,7 +3347,12 @@
             <p:ph type="ctrTitle"/>
           </p:nvPr>
         </p:nvSpPr>
-        <p:spPr/>
+        <p:spPr>
+          <a:xfrm>
+            <a:off x="1524000" y="1250953"/>
+            <a:ext cx="9144000" cy="2387600"/>
+          </a:xfrm>
+        </p:spPr>
         <p:txBody>
           <a:bodyPr/>
           <a:lstStyle/>
@@ -3360,6 +3364,66 @@
           </a:p>
         </p:txBody>
       </p:sp>
+      <p:pic>
+        <p:nvPicPr>
+          <p:cNvPr id="7" name="Picture 6">
+            <a:extLst>
+              <a:ext uri="{FF2B5EF4-FFF2-40B4-BE49-F238E27FC236}">
+                <a16:creationId xmlns:a16="http://schemas.microsoft.com/office/drawing/2014/main" id="{73FD9232-7A59-8744-AC8F-DA68813980F2}"/>
+              </a:ext>
+            </a:extLst>
+          </p:cNvPr>
+          <p:cNvPicPr>
+            <a:picLocks noChangeAspect="1"/>
+          </p:cNvPicPr>
+          <p:nvPr/>
+        </p:nvPicPr>
+        <p:blipFill>
+          <a:blip r:embed="rId2"/>
+          <a:stretch>
+            <a:fillRect/>
+          </a:stretch>
+        </p:blipFill>
+        <p:spPr>
+          <a:xfrm>
+            <a:off x="3441700" y="4056062"/>
+            <a:ext cx="5308600" cy="660400"/>
+          </a:xfrm>
+          <a:prstGeom prst="rect">
+            <a:avLst/>
+          </a:prstGeom>
+        </p:spPr>
+      </p:pic>
+      <p:pic>
+        <p:nvPicPr>
+          <p:cNvPr id="8" name="Picture 7">
+            <a:extLst>
+              <a:ext uri="{FF2B5EF4-FFF2-40B4-BE49-F238E27FC236}">
+                <a16:creationId xmlns:a16="http://schemas.microsoft.com/office/drawing/2014/main" id="{D4BAD3F3-DD34-7748-9AE8-5BD00F6D5DBA}"/>
+              </a:ext>
+            </a:extLst>
+          </p:cNvPr>
+          <p:cNvPicPr>
+            <a:picLocks noChangeAspect="1"/>
+          </p:cNvPicPr>
+          <p:nvPr/>
+        </p:nvPicPr>
+        <p:blipFill>
+          <a:blip r:embed="rId3"/>
+          <a:stretch>
+            <a:fillRect/>
+          </a:stretch>
+        </p:blipFill>
+        <p:spPr>
+          <a:xfrm>
+            <a:off x="3517900" y="1725613"/>
+            <a:ext cx="5156200" cy="647700"/>
+          </a:xfrm>
+          <a:prstGeom prst="rect">
+            <a:avLst/>
+          </a:prstGeom>
+        </p:spPr>
+      </p:pic>
     </p:spTree>
     <p:extLst>
       <p:ext uri="{BB962C8B-B14F-4D97-AF65-F5344CB8AC3E}">
@@ -3374,120 +3438,6 @@
 </file>
 
 <file path=ppt/slides/slide10.xml><?xml version="1.0" encoding="utf-8"?>
-<p:sld xmlns:a="http://schemas.openxmlformats.org/drawingml/2006/main" xmlns:r="http://schemas.openxmlformats.org/officeDocument/2006/relationships" xmlns:p="http://schemas.openxmlformats.org/presentationml/2006/main">
-  <p:cSld>
-    <p:spTree>
-      <p:nvGrpSpPr>
-        <p:cNvPr id="1" name=""/>
-        <p:cNvGrpSpPr/>
-        <p:nvPr/>
-      </p:nvGrpSpPr>
-      <p:grpSpPr>
-        <a:xfrm>
-          <a:off x="0" y="0"/>
-          <a:ext cx="0" cy="0"/>
-          <a:chOff x="0" y="0"/>
-          <a:chExt cx="0" cy="0"/>
-        </a:xfrm>
-      </p:grpSpPr>
-      <p:sp>
-        <p:nvSpPr>
-          <p:cNvPr id="5" name="Title 1">
-            <a:extLst>
-              <a:ext uri="{FF2B5EF4-FFF2-40B4-BE49-F238E27FC236}">
-                <a16:creationId xmlns:a16="http://schemas.microsoft.com/office/drawing/2014/main" id="{E6F049A1-DC91-3748-8900-A171BC901649}"/>
-              </a:ext>
-            </a:extLst>
-          </p:cNvPr>
-          <p:cNvSpPr txBox="1">
-            <a:spLocks/>
-          </p:cNvSpPr>
-          <p:nvPr/>
-        </p:nvSpPr>
-        <p:spPr>
-          <a:xfrm>
-            <a:off x="838200" y="388936"/>
-            <a:ext cx="10515600" cy="1325563"/>
-          </a:xfrm>
-          <a:prstGeom prst="rect">
-            <a:avLst/>
-          </a:prstGeom>
-        </p:spPr>
-        <p:txBody>
-          <a:bodyPr vert="horz" lIns="91440" tIns="45720" rIns="91440" bIns="45720" rtlCol="0" anchor="ctr">
-            <a:normAutofit/>
-          </a:bodyPr>
-          <a:lstStyle>
-            <a:lvl1pPr algn="l" defTabSz="914400" rtl="0" eaLnBrk="1" latinLnBrk="0" hangingPunct="1">
-              <a:lnSpc>
-                <a:spcPct val="90000"/>
-              </a:lnSpc>
-              <a:spcBef>
-                <a:spcPct val="0"/>
-              </a:spcBef>
-              <a:buNone/>
-              <a:defRPr sz="4400" kern="1200">
-                <a:solidFill>
-                  <a:schemeClr val="tx1"/>
-                </a:solidFill>
-                <a:latin typeface="+mj-lt"/>
-                <a:ea typeface="+mj-ea"/>
-                <a:cs typeface="+mj-cs"/>
-              </a:defRPr>
-            </a:lvl1pPr>
-          </a:lstStyle>
-          <a:p>
-            <a:r>
-              <a:rPr lang="en-US" dirty="0"/>
-              <a:t>Accent Colors 3 - Attention</a:t>
-            </a:r>
-          </a:p>
-        </p:txBody>
-      </p:sp>
-      <p:pic>
-        <p:nvPicPr>
-          <p:cNvPr id="2" name="Picture 1">
-            <a:extLst>
-              <a:ext uri="{FF2B5EF4-FFF2-40B4-BE49-F238E27FC236}">
-                <a16:creationId xmlns:a16="http://schemas.microsoft.com/office/drawing/2014/main" id="{F4F4B2DF-428E-9747-8B1D-4AC980987170}"/>
-              </a:ext>
-            </a:extLst>
-          </p:cNvPr>
-          <p:cNvPicPr>
-            <a:picLocks noChangeAspect="1"/>
-          </p:cNvPicPr>
-          <p:nvPr/>
-        </p:nvPicPr>
-        <p:blipFill>
-          <a:blip r:embed="rId2"/>
-          <a:stretch>
-            <a:fillRect/>
-          </a:stretch>
-        </p:blipFill>
-        <p:spPr>
-          <a:xfrm>
-            <a:off x="1403350" y="2032000"/>
-            <a:ext cx="9385300" cy="2794000"/>
-          </a:xfrm>
-          <a:prstGeom prst="rect">
-            <a:avLst/>
-          </a:prstGeom>
-        </p:spPr>
-      </p:pic>
-    </p:spTree>
-    <p:extLst>
-      <p:ext uri="{BB962C8B-B14F-4D97-AF65-F5344CB8AC3E}">
-        <p14:creationId xmlns:p14="http://schemas.microsoft.com/office/powerpoint/2010/main" val="2207072712"/>
-      </p:ext>
-    </p:extLst>
-  </p:cSld>
-  <p:clrMapOvr>
-    <a:masterClrMapping/>
-  </p:clrMapOvr>
-</p:sld>
-</file>
-
-<file path=ppt/slides/slide11.xml><?xml version="1.0" encoding="utf-8"?>
 <p:sld xmlns:a="http://schemas.openxmlformats.org/drawingml/2006/main" xmlns:r="http://schemas.openxmlformats.org/officeDocument/2006/relationships" xmlns:p="http://schemas.openxmlformats.org/presentationml/2006/main">
   <p:cSld>
     <p:spTree>
@@ -3601,7 +3551,7 @@
 </p:sld>
 </file>
 
-<file path=ppt/slides/slide12.xml><?xml version="1.0" encoding="utf-8"?>
+<file path=ppt/slides/slide11.xml><?xml version="1.0" encoding="utf-8"?>
 <p:sld xmlns:a="http://schemas.openxmlformats.org/drawingml/2006/main" xmlns:r="http://schemas.openxmlformats.org/officeDocument/2006/relationships" xmlns:p="http://schemas.openxmlformats.org/presentationml/2006/main">
   <p:cSld>
     <p:spTree>
@@ -3922,86 +3872,6 @@
           <p:cNvPr id="2" name="Title 1">
             <a:extLst>
               <a:ext uri="{FF2B5EF4-FFF2-40B4-BE49-F238E27FC236}">
-                <a16:creationId xmlns:a16="http://schemas.microsoft.com/office/drawing/2014/main" id="{E757A01F-2690-C844-B8A2-9B2F62DFEE87}"/>
-              </a:ext>
-            </a:extLst>
-          </p:cNvPr>
-          <p:cNvSpPr>
-            <a:spLocks noGrp="1"/>
-          </p:cNvSpPr>
-          <p:nvPr>
-            <p:ph type="title"/>
-          </p:nvPr>
-        </p:nvSpPr>
-        <p:spPr/>
-        <p:txBody>
-          <a:bodyPr/>
-          <a:lstStyle/>
-          <a:p>
-            <a:endParaRPr lang="en-US"/>
-          </a:p>
-        </p:txBody>
-      </p:sp>
-      <p:sp>
-        <p:nvSpPr>
-          <p:cNvPr id="3" name="Content Placeholder 2">
-            <a:extLst>
-              <a:ext uri="{FF2B5EF4-FFF2-40B4-BE49-F238E27FC236}">
-                <a16:creationId xmlns:a16="http://schemas.microsoft.com/office/drawing/2014/main" id="{B8710C40-D88C-D44A-B228-DC47533F0E87}"/>
-              </a:ext>
-            </a:extLst>
-          </p:cNvPr>
-          <p:cNvSpPr>
-            <a:spLocks noGrp="1"/>
-          </p:cNvSpPr>
-          <p:nvPr>
-            <p:ph idx="1"/>
-          </p:nvPr>
-        </p:nvSpPr>
-        <p:spPr/>
-        <p:txBody>
-          <a:bodyPr/>
-          <a:lstStyle/>
-          <a:p>
-            <a:endParaRPr lang="en-US"/>
-          </a:p>
-        </p:txBody>
-      </p:sp>
-    </p:spTree>
-    <p:extLst>
-      <p:ext uri="{BB962C8B-B14F-4D97-AF65-F5344CB8AC3E}">
-        <p14:creationId xmlns:p14="http://schemas.microsoft.com/office/powerpoint/2010/main" val="4113774170"/>
-      </p:ext>
-    </p:extLst>
-  </p:cSld>
-  <p:clrMapOvr>
-    <a:masterClrMapping/>
-  </p:clrMapOvr>
-</p:sld>
-</file>
-
-<file path=ppt/slides/slide6.xml><?xml version="1.0" encoding="utf-8"?>
-<p:sld xmlns:a="http://schemas.openxmlformats.org/drawingml/2006/main" xmlns:r="http://schemas.openxmlformats.org/officeDocument/2006/relationships" xmlns:p="http://schemas.openxmlformats.org/presentationml/2006/main">
-  <p:cSld>
-    <p:spTree>
-      <p:nvGrpSpPr>
-        <p:cNvPr id="1" name=""/>
-        <p:cNvGrpSpPr/>
-        <p:nvPr/>
-      </p:nvGrpSpPr>
-      <p:grpSpPr>
-        <a:xfrm>
-          <a:off x="0" y="0"/>
-          <a:ext cx="0" cy="0"/>
-          <a:chOff x="0" y="0"/>
-          <a:chExt cx="0" cy="0"/>
-        </a:xfrm>
-      </p:grpSpPr>
-      <p:sp>
-        <p:nvSpPr>
-          <p:cNvPr id="2" name="Title 1">
-            <a:extLst>
-              <a:ext uri="{FF2B5EF4-FFF2-40B4-BE49-F238E27FC236}">
                 <a16:creationId xmlns:a16="http://schemas.microsoft.com/office/drawing/2014/main" id="{3F93CF8C-41E0-AE4A-B56D-A524D110DC6F}"/>
               </a:ext>
             </a:extLst>
@@ -4068,7 +3938,7 @@
 </p:sld>
 </file>
 
-<file path=ppt/slides/slide7.xml><?xml version="1.0" encoding="utf-8"?>
+<file path=ppt/slides/slide6.xml><?xml version="1.0" encoding="utf-8"?>
 <p:sld xmlns:a="http://schemas.openxmlformats.org/drawingml/2006/main" xmlns:r="http://schemas.openxmlformats.org/officeDocument/2006/relationships" xmlns:p="http://schemas.openxmlformats.org/presentationml/2006/main">
   <p:cSld>
     <p:spTree>
@@ -4182,7 +4052,7 @@
 </p:sld>
 </file>
 
-<file path=ppt/slides/slide8.xml><?xml version="1.0" encoding="utf-8"?>
+<file path=ppt/slides/slide7.xml><?xml version="1.0" encoding="utf-8"?>
 <p:sld xmlns:a="http://schemas.openxmlformats.org/drawingml/2006/main" xmlns:r="http://schemas.openxmlformats.org/officeDocument/2006/relationships" xmlns:p="http://schemas.openxmlformats.org/presentationml/2006/main">
   <p:cSld>
     <p:spTree>
@@ -4296,7 +4166,7 @@
 </p:sld>
 </file>
 
-<file path=ppt/slides/slide9.xml><?xml version="1.0" encoding="utf-8"?>
+<file path=ppt/slides/slide8.xml><?xml version="1.0" encoding="utf-8"?>
 <p:sld xmlns:a="http://schemas.openxmlformats.org/drawingml/2006/main" xmlns:r="http://schemas.openxmlformats.org/officeDocument/2006/relationships" xmlns:p="http://schemas.openxmlformats.org/presentationml/2006/main">
   <p:cSld>
     <p:spTree>
@@ -4401,6 +4271,120 @@
     <p:extLst>
       <p:ext uri="{BB962C8B-B14F-4D97-AF65-F5344CB8AC3E}">
         <p14:creationId xmlns:p14="http://schemas.microsoft.com/office/powerpoint/2010/main" val="233887527"/>
+      </p:ext>
+    </p:extLst>
+  </p:cSld>
+  <p:clrMapOvr>
+    <a:masterClrMapping/>
+  </p:clrMapOvr>
+</p:sld>
+</file>
+
+<file path=ppt/slides/slide9.xml><?xml version="1.0" encoding="utf-8"?>
+<p:sld xmlns:a="http://schemas.openxmlformats.org/drawingml/2006/main" xmlns:r="http://schemas.openxmlformats.org/officeDocument/2006/relationships" xmlns:p="http://schemas.openxmlformats.org/presentationml/2006/main">
+  <p:cSld>
+    <p:spTree>
+      <p:nvGrpSpPr>
+        <p:cNvPr id="1" name=""/>
+        <p:cNvGrpSpPr/>
+        <p:nvPr/>
+      </p:nvGrpSpPr>
+      <p:grpSpPr>
+        <a:xfrm>
+          <a:off x="0" y="0"/>
+          <a:ext cx="0" cy="0"/>
+          <a:chOff x="0" y="0"/>
+          <a:chExt cx="0" cy="0"/>
+        </a:xfrm>
+      </p:grpSpPr>
+      <p:sp>
+        <p:nvSpPr>
+          <p:cNvPr id="5" name="Title 1">
+            <a:extLst>
+              <a:ext uri="{FF2B5EF4-FFF2-40B4-BE49-F238E27FC236}">
+                <a16:creationId xmlns:a16="http://schemas.microsoft.com/office/drawing/2014/main" id="{E6F049A1-DC91-3748-8900-A171BC901649}"/>
+              </a:ext>
+            </a:extLst>
+          </p:cNvPr>
+          <p:cNvSpPr txBox="1">
+            <a:spLocks/>
+          </p:cNvSpPr>
+          <p:nvPr/>
+        </p:nvSpPr>
+        <p:spPr>
+          <a:xfrm>
+            <a:off x="838200" y="388936"/>
+            <a:ext cx="10515600" cy="1325563"/>
+          </a:xfrm>
+          <a:prstGeom prst="rect">
+            <a:avLst/>
+          </a:prstGeom>
+        </p:spPr>
+        <p:txBody>
+          <a:bodyPr vert="horz" lIns="91440" tIns="45720" rIns="91440" bIns="45720" rtlCol="0" anchor="ctr">
+            <a:normAutofit/>
+          </a:bodyPr>
+          <a:lstStyle>
+            <a:lvl1pPr algn="l" defTabSz="914400" rtl="0" eaLnBrk="1" latinLnBrk="0" hangingPunct="1">
+              <a:lnSpc>
+                <a:spcPct val="90000"/>
+              </a:lnSpc>
+              <a:spcBef>
+                <a:spcPct val="0"/>
+              </a:spcBef>
+              <a:buNone/>
+              <a:defRPr sz="4400" kern="1200">
+                <a:solidFill>
+                  <a:schemeClr val="tx1"/>
+                </a:solidFill>
+                <a:latin typeface="+mj-lt"/>
+                <a:ea typeface="+mj-ea"/>
+                <a:cs typeface="+mj-cs"/>
+              </a:defRPr>
+            </a:lvl1pPr>
+          </a:lstStyle>
+          <a:p>
+            <a:r>
+              <a:rPr lang="en-US" dirty="0"/>
+              <a:t>Accent Colors 3 - Attention</a:t>
+            </a:r>
+          </a:p>
+        </p:txBody>
+      </p:sp>
+      <p:pic>
+        <p:nvPicPr>
+          <p:cNvPr id="2" name="Picture 1">
+            <a:extLst>
+              <a:ext uri="{FF2B5EF4-FFF2-40B4-BE49-F238E27FC236}">
+                <a16:creationId xmlns:a16="http://schemas.microsoft.com/office/drawing/2014/main" id="{F4F4B2DF-428E-9747-8B1D-4AC980987170}"/>
+              </a:ext>
+            </a:extLst>
+          </p:cNvPr>
+          <p:cNvPicPr>
+            <a:picLocks noChangeAspect="1"/>
+          </p:cNvPicPr>
+          <p:nvPr/>
+        </p:nvPicPr>
+        <p:blipFill>
+          <a:blip r:embed="rId2"/>
+          <a:stretch>
+            <a:fillRect/>
+          </a:stretch>
+        </p:blipFill>
+        <p:spPr>
+          <a:xfrm>
+            <a:off x="1403350" y="2032000"/>
+            <a:ext cx="9385300" cy="2794000"/>
+          </a:xfrm>
+          <a:prstGeom prst="rect">
+            <a:avLst/>
+          </a:prstGeom>
+        </p:spPr>
+      </p:pic>
+    </p:spTree>
+    <p:extLst>
+      <p:ext uri="{BB962C8B-B14F-4D97-AF65-F5344CB8AC3E}">
+        <p14:creationId xmlns:p14="http://schemas.microsoft.com/office/powerpoint/2010/main" val="2207072712"/>
       </p:ext>
     </p:extLst>
   </p:cSld>
